--- a/Curriculum/Week_5/Lectures/5.2_ORM.pptx
+++ b/Curriculum/Week_5/Lectures/5.2_ORM.pptx
@@ -6688,7 +6688,7 @@
           <a:p>
             <a:pPr lvl="0" rtl="0">
               <a:lnSpc>
-                <a:spcPct val="150000"/>
+                <a:spcPct val="100000"/>
               </a:lnSpc>
               <a:spcBef>
                 <a:spcPts val="0"/>
